--- a/workshop.pptx
+++ b/workshop.pptx
@@ -7,10 +7,17 @@
   <p:sldIdLst>
     <p:sldId id="256" r:id="rId2"/>
     <p:sldId id="262" r:id="rId3"/>
-    <p:sldId id="259" r:id="rId4"/>
-    <p:sldId id="257" r:id="rId5"/>
-    <p:sldId id="260" r:id="rId6"/>
-    <p:sldId id="261" r:id="rId7"/>
+    <p:sldId id="264" r:id="rId4"/>
+    <p:sldId id="259" r:id="rId5"/>
+    <p:sldId id="266" r:id="rId6"/>
+    <p:sldId id="257" r:id="rId7"/>
+    <p:sldId id="268" r:id="rId8"/>
+    <p:sldId id="267" r:id="rId9"/>
+    <p:sldId id="260" r:id="rId10"/>
+    <p:sldId id="261" r:id="rId11"/>
+    <p:sldId id="263" r:id="rId12"/>
+    <p:sldId id="265" r:id="rId13"/>
+    <p:sldId id="269" r:id="rId14"/>
   </p:sldIdLst>
   <p:sldSz cx="12192000" cy="6858000"/>
   <p:notesSz cx="6858000" cy="9144000"/>
@@ -1239,7 +1246,7 @@
         </p:blipFill>
         <p:spPr>
           <a:xfrm>
-            <a:off x="2433467" y="1483164"/>
+            <a:off x="2405757" y="1704844"/>
             <a:ext cx="2495479" cy="2474683"/>
           </a:xfrm>
           <a:prstGeom prst="rect">
@@ -1269,7 +1276,7 @@
         </p:blipFill>
         <p:spPr>
           <a:xfrm>
-            <a:off x="5275492" y="2199055"/>
+            <a:off x="5247782" y="2420735"/>
             <a:ext cx="1422400" cy="1422400"/>
           </a:xfrm>
           <a:prstGeom prst="rect">
@@ -1299,7 +1306,7 @@
         </p:blipFill>
         <p:spPr>
           <a:xfrm>
-            <a:off x="7305375" y="1546965"/>
+            <a:off x="7277665" y="1768645"/>
             <a:ext cx="2289032" cy="2410882"/>
           </a:xfrm>
           <a:prstGeom prst="rect">
@@ -1321,7 +1328,7 @@
         </p:nvSpPr>
         <p:spPr>
           <a:xfrm>
-            <a:off x="2516405" y="4071638"/>
+            <a:off x="2488695" y="4293318"/>
             <a:ext cx="2329601" cy="523220"/>
           </a:xfrm>
           <a:prstGeom prst="rect">
@@ -1357,7 +1364,7 @@
         </p:nvSpPr>
         <p:spPr>
           <a:xfrm>
-            <a:off x="7285090" y="4071638"/>
+            <a:off x="7257380" y="4293318"/>
             <a:ext cx="2329601" cy="523220"/>
           </a:xfrm>
           <a:prstGeom prst="rect">
@@ -1383,6 +1390,495 @@
     <p:extLst>
       <p:ext uri="{BB962C8B-B14F-4D97-AF65-F5344CB8AC3E}">
         <p14:creationId xmlns:p14="http://schemas.microsoft.com/office/powerpoint/2010/main" val="2371960403"/>
+      </p:ext>
+    </p:extLst>
+  </p:cSld>
+  <p:clrMapOvr>
+    <a:masterClrMapping/>
+  </p:clrMapOvr>
+</p:sld>
+</file>
+
+<file path=ppt/slides/slide10.xml><?xml version="1.0" encoding="utf-8"?>
+<p:sld xmlns:a="http://schemas.openxmlformats.org/drawingml/2006/main" xmlns:r="http://schemas.openxmlformats.org/officeDocument/2006/relationships" xmlns:p="http://schemas.openxmlformats.org/presentationml/2006/main">
+  <p:cSld>
+    <p:spTree>
+      <p:nvGrpSpPr>
+        <p:cNvPr id="1" name=""/>
+        <p:cNvGrpSpPr/>
+        <p:nvPr/>
+      </p:nvGrpSpPr>
+      <p:grpSpPr>
+        <a:xfrm>
+          <a:off x="0" y="0"/>
+          <a:ext cx="0" cy="0"/>
+          <a:chOff x="0" y="0"/>
+          <a:chExt cx="0" cy="0"/>
+        </a:xfrm>
+      </p:grpSpPr>
+      <p:pic>
+        <p:nvPicPr>
+          <p:cNvPr id="8" name="Picture 7">
+            <a:extLst>
+              <a:ext uri="{FF2B5EF4-FFF2-40B4-BE49-F238E27FC236}">
+                <a16:creationId xmlns:a16="http://schemas.microsoft.com/office/drawing/2014/main" id="{13EEA58B-1141-4743-904F-F3F1FE6F817F}"/>
+              </a:ext>
+            </a:extLst>
+          </p:cNvPr>
+          <p:cNvPicPr>
+            <a:picLocks noChangeAspect="1"/>
+          </p:cNvPicPr>
+          <p:nvPr/>
+        </p:nvPicPr>
+        <p:blipFill>
+          <a:blip r:embed="rId2"/>
+          <a:stretch>
+            <a:fillRect/>
+          </a:stretch>
+        </p:blipFill>
+        <p:spPr>
+          <a:xfrm>
+            <a:off x="10161126" y="3435178"/>
+            <a:ext cx="2030874" cy="3422822"/>
+          </a:xfrm>
+          <a:prstGeom prst="rect">
+            <a:avLst/>
+          </a:prstGeom>
+        </p:spPr>
+      </p:pic>
+      <p:pic>
+        <p:nvPicPr>
+          <p:cNvPr id="10" name="Picture 9">
+            <a:extLst>
+              <a:ext uri="{FF2B5EF4-FFF2-40B4-BE49-F238E27FC236}">
+                <a16:creationId xmlns:a16="http://schemas.microsoft.com/office/drawing/2014/main" id="{586F765A-EDCE-5242-B9F8-BA7E7A2767C3}"/>
+              </a:ext>
+            </a:extLst>
+          </p:cNvPr>
+          <p:cNvPicPr>
+            <a:picLocks noChangeAspect="1"/>
+          </p:cNvPicPr>
+          <p:nvPr/>
+        </p:nvPicPr>
+        <p:blipFill>
+          <a:blip r:embed="rId3"/>
+          <a:stretch>
+            <a:fillRect/>
+          </a:stretch>
+        </p:blipFill>
+        <p:spPr>
+          <a:xfrm>
+            <a:off x="5898261" y="2145951"/>
+            <a:ext cx="3766027" cy="1907532"/>
+          </a:xfrm>
+          <a:prstGeom prst="rect">
+            <a:avLst/>
+          </a:prstGeom>
+        </p:spPr>
+      </p:pic>
+      <p:pic>
+        <p:nvPicPr>
+          <p:cNvPr id="12" name="Picture 11">
+            <a:extLst>
+              <a:ext uri="{FF2B5EF4-FFF2-40B4-BE49-F238E27FC236}">
+                <a16:creationId xmlns:a16="http://schemas.microsoft.com/office/drawing/2014/main" id="{E13E516A-EDCE-1340-B61D-59556F766953}"/>
+              </a:ext>
+            </a:extLst>
+          </p:cNvPr>
+          <p:cNvPicPr>
+            <a:picLocks noChangeAspect="1"/>
+          </p:cNvPicPr>
+          <p:nvPr/>
+        </p:nvPicPr>
+        <p:blipFill>
+          <a:blip r:embed="rId4"/>
+          <a:stretch>
+            <a:fillRect/>
+          </a:stretch>
+        </p:blipFill>
+        <p:spPr>
+          <a:xfrm>
+            <a:off x="1826627" y="1512217"/>
+            <a:ext cx="3175000" cy="3175000"/>
+          </a:xfrm>
+          <a:prstGeom prst="rect">
+            <a:avLst/>
+          </a:prstGeom>
+        </p:spPr>
+      </p:pic>
+      <p:pic>
+        <p:nvPicPr>
+          <p:cNvPr id="14" name="Picture 13">
+            <a:extLst>
+              <a:ext uri="{FF2B5EF4-FFF2-40B4-BE49-F238E27FC236}">
+                <a16:creationId xmlns:a16="http://schemas.microsoft.com/office/drawing/2014/main" id="{D70CAFEA-589F-1E42-B033-CDB9E8F8375D}"/>
+              </a:ext>
+            </a:extLst>
+          </p:cNvPr>
+          <p:cNvPicPr>
+            <a:picLocks noChangeAspect="1"/>
+          </p:cNvPicPr>
+          <p:nvPr/>
+        </p:nvPicPr>
+        <p:blipFill>
+          <a:blip r:embed="rId5"/>
+          <a:stretch>
+            <a:fillRect/>
+          </a:stretch>
+        </p:blipFill>
+        <p:spPr>
+          <a:xfrm>
+            <a:off x="4855259" y="2578216"/>
+            <a:ext cx="1043002" cy="1043002"/>
+          </a:xfrm>
+          <a:prstGeom prst="rect">
+            <a:avLst/>
+          </a:prstGeom>
+        </p:spPr>
+      </p:pic>
+    </p:spTree>
+    <p:extLst>
+      <p:ext uri="{BB962C8B-B14F-4D97-AF65-F5344CB8AC3E}">
+        <p14:creationId xmlns:p14="http://schemas.microsoft.com/office/powerpoint/2010/main" val="2720038486"/>
+      </p:ext>
+    </p:extLst>
+  </p:cSld>
+  <p:clrMapOvr>
+    <a:masterClrMapping/>
+  </p:clrMapOvr>
+</p:sld>
+</file>
+
+<file path=ppt/slides/slide11.xml><?xml version="1.0" encoding="utf-8"?>
+<p:sld xmlns:a="http://schemas.openxmlformats.org/drawingml/2006/main" xmlns:r="http://schemas.openxmlformats.org/officeDocument/2006/relationships" xmlns:p="http://schemas.openxmlformats.org/presentationml/2006/main">
+  <p:cSld>
+    <p:spTree>
+      <p:nvGrpSpPr>
+        <p:cNvPr id="1" name=""/>
+        <p:cNvGrpSpPr/>
+        <p:nvPr/>
+      </p:nvGrpSpPr>
+      <p:grpSpPr>
+        <a:xfrm>
+          <a:off x="0" y="0"/>
+          <a:ext cx="0" cy="0"/>
+          <a:chOff x="0" y="0"/>
+          <a:chExt cx="0" cy="0"/>
+        </a:xfrm>
+      </p:grpSpPr>
+      <p:sp>
+        <p:nvSpPr>
+          <p:cNvPr id="2" name="Title 1">
+            <a:extLst>
+              <a:ext uri="{FF2B5EF4-FFF2-40B4-BE49-F238E27FC236}">
+                <a16:creationId xmlns:a16="http://schemas.microsoft.com/office/drawing/2014/main" id="{ADA8522E-BD20-2340-8516-01F8E00D5E18}"/>
+              </a:ext>
+            </a:extLst>
+          </p:cNvPr>
+          <p:cNvSpPr>
+            <a:spLocks noGrp="1"/>
+          </p:cNvSpPr>
+          <p:nvPr>
+            <p:ph type="title"/>
+          </p:nvPr>
+        </p:nvSpPr>
+        <p:spPr/>
+        <p:txBody>
+          <a:bodyPr/>
+          <a:lstStyle/>
+          <a:p>
+            <a:r>
+              <a:rPr lang="en-US" dirty="0" err="1"/>
+              <a:t>Alertmanager</a:t>
+            </a:r>
+            <a:endParaRPr lang="en-US" dirty="0"/>
+          </a:p>
+        </p:txBody>
+      </p:sp>
+      <p:sp>
+        <p:nvSpPr>
+          <p:cNvPr id="3" name="Content Placeholder 2">
+            <a:extLst>
+              <a:ext uri="{FF2B5EF4-FFF2-40B4-BE49-F238E27FC236}">
+                <a16:creationId xmlns:a16="http://schemas.microsoft.com/office/drawing/2014/main" id="{3DDEB37A-CB90-0345-B6AC-D5858924686B}"/>
+              </a:ext>
+            </a:extLst>
+          </p:cNvPr>
+          <p:cNvSpPr>
+            <a:spLocks noGrp="1"/>
+          </p:cNvSpPr>
+          <p:nvPr>
+            <p:ph idx="1"/>
+          </p:nvPr>
+        </p:nvSpPr>
+        <p:spPr/>
+        <p:txBody>
+          <a:bodyPr/>
+          <a:lstStyle/>
+          <a:p>
+            <a:r>
+              <a:rPr lang="en-US" dirty="0" err="1"/>
+              <a:t>Nhận</a:t>
+            </a:r>
+            <a:r>
+              <a:rPr lang="en-US" dirty="0"/>
+              <a:t> Alerts</a:t>
+            </a:r>
+          </a:p>
+          <a:p>
+            <a:r>
+              <a:rPr lang="en-US" dirty="0"/>
+              <a:t>YAML</a:t>
+            </a:r>
+          </a:p>
+          <a:p>
+            <a:r>
+              <a:rPr lang="en-US" dirty="0" err="1"/>
+              <a:t>Tạo</a:t>
+            </a:r>
+            <a:r>
+              <a:rPr lang="en-US" dirty="0"/>
+              <a:t> alert </a:t>
+            </a:r>
+            <a:r>
+              <a:rPr lang="en-US" dirty="0" err="1"/>
+              <a:t>đơn</a:t>
+            </a:r>
+            <a:r>
+              <a:rPr lang="en-US" dirty="0"/>
+              <a:t> </a:t>
+            </a:r>
+            <a:r>
+              <a:rPr lang="en-US" dirty="0" err="1"/>
+              <a:t>giản</a:t>
+            </a:r>
+            <a:endParaRPr lang="en-US" dirty="0"/>
+          </a:p>
+          <a:p>
+            <a:r>
+              <a:rPr lang="en-US" dirty="0" err="1"/>
+              <a:t>Slience</a:t>
+            </a:r>
+            <a:endParaRPr lang="en-US" dirty="0"/>
+          </a:p>
+          <a:p>
+            <a:r>
+              <a:rPr lang="en-US" dirty="0"/>
+              <a:t>Resolved</a:t>
+            </a:r>
+          </a:p>
+        </p:txBody>
+      </p:sp>
+    </p:spTree>
+    <p:extLst>
+      <p:ext uri="{BB962C8B-B14F-4D97-AF65-F5344CB8AC3E}">
+        <p14:creationId xmlns:p14="http://schemas.microsoft.com/office/powerpoint/2010/main" val="2386701379"/>
+      </p:ext>
+    </p:extLst>
+  </p:cSld>
+  <p:clrMapOvr>
+    <a:masterClrMapping/>
+  </p:clrMapOvr>
+</p:sld>
+</file>
+
+<file path=ppt/slides/slide12.xml><?xml version="1.0" encoding="utf-8"?>
+<p:sld xmlns:a="http://schemas.openxmlformats.org/drawingml/2006/main" xmlns:r="http://schemas.openxmlformats.org/officeDocument/2006/relationships" xmlns:p="http://schemas.openxmlformats.org/presentationml/2006/main">
+  <p:cSld>
+    <p:spTree>
+      <p:nvGrpSpPr>
+        <p:cNvPr id="1" name=""/>
+        <p:cNvGrpSpPr/>
+        <p:nvPr/>
+      </p:nvGrpSpPr>
+      <p:grpSpPr>
+        <a:xfrm>
+          <a:off x="0" y="0"/>
+          <a:ext cx="0" cy="0"/>
+          <a:chOff x="0" y="0"/>
+          <a:chExt cx="0" cy="0"/>
+        </a:xfrm>
+      </p:grpSpPr>
+      <p:sp>
+        <p:nvSpPr>
+          <p:cNvPr id="2" name="Title 1">
+            <a:extLst>
+              <a:ext uri="{FF2B5EF4-FFF2-40B4-BE49-F238E27FC236}">
+                <a16:creationId xmlns:a16="http://schemas.microsoft.com/office/drawing/2014/main" id="{ADA8522E-BD20-2340-8516-01F8E00D5E18}"/>
+              </a:ext>
+            </a:extLst>
+          </p:cNvPr>
+          <p:cNvSpPr>
+            <a:spLocks noGrp="1"/>
+          </p:cNvSpPr>
+          <p:nvPr>
+            <p:ph type="title"/>
+          </p:nvPr>
+        </p:nvSpPr>
+        <p:spPr/>
+        <p:txBody>
+          <a:bodyPr/>
+          <a:lstStyle/>
+          <a:p>
+            <a:r>
+              <a:rPr lang="en-US" dirty="0"/>
+              <a:t>Grafana</a:t>
+            </a:r>
+          </a:p>
+        </p:txBody>
+      </p:sp>
+      <p:sp>
+        <p:nvSpPr>
+          <p:cNvPr id="3" name="Content Placeholder 2">
+            <a:extLst>
+              <a:ext uri="{FF2B5EF4-FFF2-40B4-BE49-F238E27FC236}">
+                <a16:creationId xmlns:a16="http://schemas.microsoft.com/office/drawing/2014/main" id="{3DDEB37A-CB90-0345-B6AC-D5858924686B}"/>
+              </a:ext>
+            </a:extLst>
+          </p:cNvPr>
+          <p:cNvSpPr>
+            <a:spLocks noGrp="1"/>
+          </p:cNvSpPr>
+          <p:nvPr>
+            <p:ph idx="1"/>
+          </p:nvPr>
+        </p:nvSpPr>
+        <p:spPr/>
+        <p:txBody>
+          <a:bodyPr/>
+          <a:lstStyle/>
+          <a:p>
+            <a:r>
+              <a:rPr lang="en-US" dirty="0" err="1"/>
+              <a:t>Quản</a:t>
+            </a:r>
+            <a:r>
+              <a:rPr lang="en-US" dirty="0"/>
+              <a:t> </a:t>
+            </a:r>
+            <a:r>
+              <a:rPr lang="en-US" dirty="0" err="1"/>
+              <a:t>lý</a:t>
+            </a:r>
+            <a:r>
+              <a:rPr lang="en-US" dirty="0"/>
+              <a:t> dashboard</a:t>
+            </a:r>
+          </a:p>
+          <a:p>
+            <a:r>
+              <a:rPr lang="en-US" dirty="0" err="1"/>
+              <a:t>Hỗ</a:t>
+            </a:r>
+            <a:r>
+              <a:rPr lang="en-US" dirty="0"/>
+              <a:t> </a:t>
+            </a:r>
+            <a:r>
+              <a:rPr lang="en-US" dirty="0" err="1"/>
+              <a:t>trợ</a:t>
+            </a:r>
+            <a:r>
+              <a:rPr lang="en-US" dirty="0"/>
+              <a:t> </a:t>
+            </a:r>
+            <a:r>
+              <a:rPr lang="en-US" dirty="0" err="1"/>
+              <a:t>nhiều</a:t>
+            </a:r>
+            <a:r>
+              <a:rPr lang="en-US" dirty="0"/>
+              <a:t> Data Sources (</a:t>
+            </a:r>
+            <a:r>
+              <a:rPr lang="en-US" dirty="0" err="1"/>
+              <a:t>InfluxDB</a:t>
+            </a:r>
+            <a:r>
+              <a:rPr lang="en-US" dirty="0"/>
+              <a:t>, Graphite, Prometheus, </a:t>
+            </a:r>
+            <a:r>
+              <a:rPr lang="en-US" dirty="0" err="1"/>
+              <a:t>Elasitcsearch</a:t>
+            </a:r>
+            <a:r>
+              <a:rPr lang="en-US" dirty="0"/>
+              <a:t>, …)</a:t>
+            </a:r>
+          </a:p>
+          <a:p>
+            <a:r>
+              <a:rPr lang="en-US" dirty="0"/>
+              <a:t>Alerts</a:t>
+            </a:r>
+          </a:p>
+        </p:txBody>
+      </p:sp>
+    </p:spTree>
+    <p:extLst>
+      <p:ext uri="{BB962C8B-B14F-4D97-AF65-F5344CB8AC3E}">
+        <p14:creationId xmlns:p14="http://schemas.microsoft.com/office/powerpoint/2010/main" val="261515657"/>
+      </p:ext>
+    </p:extLst>
+  </p:cSld>
+  <p:clrMapOvr>
+    <a:masterClrMapping/>
+  </p:clrMapOvr>
+</p:sld>
+</file>
+
+<file path=ppt/slides/slide13.xml><?xml version="1.0" encoding="utf-8"?>
+<p:sld xmlns:a="http://schemas.openxmlformats.org/drawingml/2006/main" xmlns:r="http://schemas.openxmlformats.org/officeDocument/2006/relationships" xmlns:p="http://schemas.openxmlformats.org/presentationml/2006/main">
+  <p:cSld>
+    <p:spTree>
+      <p:nvGrpSpPr>
+        <p:cNvPr id="1" name=""/>
+        <p:cNvGrpSpPr/>
+        <p:nvPr/>
+      </p:nvGrpSpPr>
+      <p:grpSpPr>
+        <a:xfrm>
+          <a:off x="0" y="0"/>
+          <a:ext cx="0" cy="0"/>
+          <a:chOff x="0" y="0"/>
+          <a:chExt cx="0" cy="0"/>
+        </a:xfrm>
+      </p:grpSpPr>
+      <p:pic>
+        <p:nvPicPr>
+          <p:cNvPr id="9" name="Picture 8">
+            <a:extLst>
+              <a:ext uri="{FF2B5EF4-FFF2-40B4-BE49-F238E27FC236}">
+                <a16:creationId xmlns:a16="http://schemas.microsoft.com/office/drawing/2014/main" id="{41C1B7A8-08CE-A848-AC24-71EA83040BBA}"/>
+              </a:ext>
+            </a:extLst>
+          </p:cNvPr>
+          <p:cNvPicPr>
+            <a:picLocks noChangeAspect="1"/>
+          </p:cNvPicPr>
+          <p:nvPr/>
+        </p:nvPicPr>
+        <p:blipFill>
+          <a:blip r:embed="rId2"/>
+          <a:stretch>
+            <a:fillRect/>
+          </a:stretch>
+        </p:blipFill>
+        <p:spPr>
+          <a:xfrm>
+            <a:off x="3943350" y="1574800"/>
+            <a:ext cx="4305300" cy="3708400"/>
+          </a:xfrm>
+          <a:prstGeom prst="rect">
+            <a:avLst/>
+          </a:prstGeom>
+        </p:spPr>
+      </p:pic>
+    </p:spTree>
+    <p:extLst>
+      <p:ext uri="{BB962C8B-B14F-4D97-AF65-F5344CB8AC3E}">
+        <p14:creationId xmlns:p14="http://schemas.microsoft.com/office/powerpoint/2010/main" val="2269784115"/>
       </p:ext>
     </p:extLst>
   </p:cSld>
@@ -1464,7 +1960,9 @@
         </p:nvSpPr>
         <p:spPr/>
         <p:txBody>
-          <a:bodyPr/>
+          <a:bodyPr>
+            <a:normAutofit lnSpcReduction="10000"/>
+          </a:bodyPr>
           <a:lstStyle/>
           <a:p>
             <a:r>
@@ -1501,15 +1999,34 @@
           <a:p>
             <a:r>
               <a:rPr lang="en-US" dirty="0"/>
+              <a:t>Prometheus vs Nagios</a:t>
+            </a:r>
+          </a:p>
+          <a:p>
+            <a:r>
+              <a:rPr lang="en-US" dirty="0" err="1"/>
+              <a:t>PromQL</a:t>
+            </a:r>
+            <a:endParaRPr lang="en-US" dirty="0"/>
+          </a:p>
+          <a:p>
+            <a:r>
+              <a:rPr lang="en-US" dirty="0"/>
               <a:t>Architecture</a:t>
             </a:r>
           </a:p>
           <a:p>
             <a:r>
-              <a:rPr lang="en-US"/>
+              <a:rPr lang="en-US" dirty="0" err="1"/>
+              <a:t>Alertmanager</a:t>
+            </a:r>
+            <a:endParaRPr lang="en-US" dirty="0"/>
+          </a:p>
+          <a:p>
+            <a:r>
+              <a:rPr lang="en-US" dirty="0"/>
               <a:t>Grafana</a:t>
             </a:r>
-            <a:endParaRPr lang="en-US" dirty="0"/>
           </a:p>
           <a:p>
             <a:r>
@@ -1566,7 +2083,7 @@
           <p:cNvPr id="2" name="Title 1">
             <a:extLst>
               <a:ext uri="{FF2B5EF4-FFF2-40B4-BE49-F238E27FC236}">
-                <a16:creationId xmlns:a16="http://schemas.microsoft.com/office/drawing/2014/main" id="{ADA8522E-BD20-2340-8516-01F8E00D5E18}"/>
+                <a16:creationId xmlns:a16="http://schemas.microsoft.com/office/drawing/2014/main" id="{6FFDCF54-EAE2-ED41-85D2-438B1A704213}"/>
               </a:ext>
             </a:extLst>
           </p:cNvPr>
@@ -1584,24 +2101,29 @@
           <a:p>
             <a:r>
               <a:rPr lang="en-US" dirty="0"/>
-              <a:t>Prometheus </a:t>
-            </a:r>
-            <a:r>
-              <a:rPr lang="en-US" dirty="0" err="1"/>
-              <a:t>là</a:t>
-            </a:r>
-            <a:r>
-              <a:rPr lang="en-US" dirty="0"/>
-              <a:t> </a:t>
-            </a:r>
-            <a:r>
-              <a:rPr lang="en-US" dirty="0" err="1"/>
-              <a:t>gì</a:t>
-            </a:r>
-            <a:r>
-              <a:rPr lang="en-US" dirty="0"/>
-              <a:t> ?</a:t>
-            </a:r>
+              <a:t>Theo </a:t>
+            </a:r>
+            <a:r>
+              <a:rPr lang="en-US" dirty="0" err="1"/>
+              <a:t>dõi</a:t>
+            </a:r>
+            <a:r>
+              <a:rPr lang="en-US" dirty="0"/>
+              <a:t> </a:t>
+            </a:r>
+            <a:r>
+              <a:rPr lang="en-US" dirty="0" err="1"/>
+              <a:t>truyền</a:t>
+            </a:r>
+            <a:r>
+              <a:rPr lang="en-US" dirty="0"/>
+              <a:t> </a:t>
+            </a:r>
+            <a:r>
+              <a:rPr lang="en-US" dirty="0" err="1"/>
+              <a:t>thống</a:t>
+            </a:r>
+            <a:endParaRPr lang="en-US" dirty="0"/>
           </a:p>
         </p:txBody>
       </p:sp>
@@ -1610,7 +2132,7 @@
           <p:cNvPr id="3" name="Content Placeholder 2">
             <a:extLst>
               <a:ext uri="{FF2B5EF4-FFF2-40B4-BE49-F238E27FC236}">
-                <a16:creationId xmlns:a16="http://schemas.microsoft.com/office/drawing/2014/main" id="{3DDEB37A-CB90-0345-B6AC-D5858924686B}"/>
+                <a16:creationId xmlns:a16="http://schemas.microsoft.com/office/drawing/2014/main" id="{025C0FD0-2D72-9B4C-B8AA-6CAE3CE9B9F5}"/>
               </a:ext>
             </a:extLst>
           </p:cNvPr>
@@ -1621,74 +2143,119 @@
             <p:ph idx="1"/>
           </p:nvPr>
         </p:nvSpPr>
-        <p:spPr/>
+        <p:spPr>
+          <a:xfrm>
+            <a:off x="838200" y="1865576"/>
+            <a:ext cx="10515600" cy="4341259"/>
+          </a:xfrm>
+        </p:spPr>
         <p:txBody>
           <a:bodyPr/>
           <a:lstStyle/>
           <a:p>
             <a:r>
-              <a:rPr lang="en-US" dirty="0"/>
-              <a:t>Prometheus </a:t>
-            </a:r>
-            <a:r>
-              <a:rPr lang="en-US" dirty="0" err="1"/>
-              <a:t>là</a:t>
-            </a:r>
-            <a:r>
-              <a:rPr lang="en-US" dirty="0"/>
-              <a:t> </a:t>
-            </a:r>
-            <a:r>
-              <a:rPr lang="en-US" dirty="0" err="1"/>
-              <a:t>công</a:t>
-            </a:r>
-            <a:r>
-              <a:rPr lang="en-US" dirty="0"/>
-              <a:t> </a:t>
-            </a:r>
-            <a:r>
-              <a:rPr lang="en-US" dirty="0" err="1"/>
-              <a:t>cụ</a:t>
-            </a:r>
-            <a:r>
-              <a:rPr lang="en-US" dirty="0"/>
-              <a:t> </a:t>
-            </a:r>
-            <a:r>
-              <a:rPr lang="en-US" dirty="0" err="1"/>
-              <a:t>giám</a:t>
-            </a:r>
-            <a:r>
-              <a:rPr lang="en-US" dirty="0"/>
-              <a:t> </a:t>
-            </a:r>
-            <a:r>
-              <a:rPr lang="en-US" dirty="0" err="1"/>
-              <a:t>sát</a:t>
-            </a:r>
-            <a:r>
-              <a:rPr lang="en-US" dirty="0"/>
-              <a:t>, </a:t>
-            </a:r>
-            <a:r>
-              <a:rPr lang="en-US" dirty="0" err="1"/>
-              <a:t>cảnh</a:t>
-            </a:r>
-            <a:r>
-              <a:rPr lang="en-US" dirty="0"/>
-              <a:t> </a:t>
-            </a:r>
-            <a:r>
-              <a:rPr lang="en-US" dirty="0" err="1"/>
-              <a:t>báo</a:t>
-            </a:r>
-            <a:r>
-              <a:rPr lang="en-US" dirty="0"/>
-              <a:t> </a:t>
-            </a:r>
-            <a:r>
-              <a:rPr lang="en-US" dirty="0" err="1"/>
-              <a:t>hệ</a:t>
+              <a:rPr lang="en-US" dirty="0" err="1"/>
+              <a:t>Nó</a:t>
+            </a:r>
+            <a:r>
+              <a:rPr lang="en-US" dirty="0"/>
+              <a:t> </a:t>
+            </a:r>
+            <a:r>
+              <a:rPr lang="en-US" dirty="0" err="1"/>
+              <a:t>chạy</a:t>
+            </a:r>
+            <a:r>
+              <a:rPr lang="en-US" dirty="0"/>
+              <a:t> </a:t>
+            </a:r>
+            <a:r>
+              <a:rPr lang="en-US" dirty="0" err="1"/>
+              <a:t>được</a:t>
+            </a:r>
+            <a:r>
+              <a:rPr lang="en-US" dirty="0"/>
+              <a:t> </a:t>
+            </a:r>
+            <a:r>
+              <a:rPr lang="en-US" dirty="0" err="1"/>
+              <a:t>rồi</a:t>
+            </a:r>
+            <a:endParaRPr lang="en-US" dirty="0"/>
+          </a:p>
+          <a:p>
+            <a:r>
+              <a:rPr lang="en-US" dirty="0" err="1"/>
+              <a:t>Nó</a:t>
+            </a:r>
+            <a:r>
+              <a:rPr lang="en-US" dirty="0"/>
+              <a:t> </a:t>
+            </a:r>
+            <a:r>
+              <a:rPr lang="en-US" dirty="0" err="1"/>
+              <a:t>chết</a:t>
+            </a:r>
+            <a:r>
+              <a:rPr lang="en-US" dirty="0"/>
+              <a:t> </a:t>
+            </a:r>
+            <a:r>
+              <a:rPr lang="en-US" dirty="0" err="1"/>
+              <a:t>rồi</a:t>
+            </a:r>
+            <a:endParaRPr lang="en-US" dirty="0"/>
+          </a:p>
+          <a:p>
+            <a:r>
+              <a:rPr lang="en-US" dirty="0"/>
+              <a:t>Reboot hay Restart </a:t>
+            </a:r>
+            <a:r>
+              <a:rPr lang="en-US" dirty="0" err="1"/>
+              <a:t>lại</a:t>
+            </a:r>
+            <a:r>
+              <a:rPr lang="en-US" dirty="0"/>
+              <a:t> </a:t>
+            </a:r>
+            <a:r>
+              <a:rPr lang="en-US" dirty="0" err="1"/>
+              <a:t>xem</a:t>
+            </a:r>
+            <a:r>
+              <a:rPr lang="en-US" dirty="0"/>
+              <a:t> </a:t>
+            </a:r>
+            <a:r>
+              <a:rPr lang="en-US" dirty="0" err="1"/>
+              <a:t>có</a:t>
+            </a:r>
+            <a:r>
+              <a:rPr lang="en-US" dirty="0"/>
+              <a:t> </a:t>
+            </a:r>
+            <a:r>
+              <a:rPr lang="en-US" dirty="0" err="1"/>
+              <a:t>chạy</a:t>
+            </a:r>
+            <a:r>
+              <a:rPr lang="en-US" dirty="0"/>
+              <a:t> </a:t>
+            </a:r>
+            <a:r>
+              <a:rPr lang="en-US" dirty="0" err="1"/>
+              <a:t>không</a:t>
+            </a:r>
+            <a:r>
+              <a:rPr lang="en-US" dirty="0"/>
+              <a:t> ?</a:t>
+            </a:r>
+          </a:p>
+          <a:p>
+            <a:r>
+              <a:rPr lang="en-US" dirty="0" err="1"/>
+              <a:t>Hệ</a:t>
             </a:r>
             <a:r>
               <a:rPr lang="en-US" dirty="0"/>
@@ -1702,37 +2269,151 @@
               <a:rPr lang="en-US" dirty="0"/>
               <a:t> </a:t>
             </a:r>
-          </a:p>
-          <a:p>
-            <a:r>
-              <a:rPr lang="en-US" dirty="0" err="1"/>
-              <a:t>Xây</a:t>
-            </a:r>
-            <a:r>
-              <a:rPr lang="en-US" dirty="0"/>
-              <a:t> </a:t>
-            </a:r>
-            <a:r>
-              <a:rPr lang="en-US" dirty="0" err="1"/>
-              <a:t>dựng</a:t>
-            </a:r>
-            <a:r>
-              <a:rPr lang="en-US" dirty="0"/>
-              <a:t> </a:t>
-            </a:r>
-            <a:r>
-              <a:rPr lang="en-US" dirty="0" err="1"/>
-              <a:t>bởi</a:t>
-            </a:r>
-            <a:r>
-              <a:rPr lang="en-US" dirty="0"/>
-              <a:t> SoundCloud</a:t>
-            </a:r>
-          </a:p>
-          <a:p>
-            <a:r>
-              <a:rPr lang="en-US" dirty="0"/>
-              <a:t>Cloud Native Computing Foundation</a:t>
+            <a:r>
+              <a:rPr lang="en-US" dirty="0" err="1"/>
+              <a:t>cũ</a:t>
+            </a:r>
+            <a:r>
+              <a:rPr lang="en-US" dirty="0"/>
+              <a:t> </a:t>
+            </a:r>
+            <a:r>
+              <a:rPr lang="en-US" dirty="0" err="1"/>
+              <a:t>quá</a:t>
+            </a:r>
+            <a:r>
+              <a:rPr lang="en-US" dirty="0"/>
+              <a:t> </a:t>
+            </a:r>
+            <a:r>
+              <a:rPr lang="en-US" dirty="0" err="1"/>
+              <a:t>rồi</a:t>
+            </a:r>
+            <a:r>
+              <a:rPr lang="en-US" dirty="0"/>
+              <a:t> </a:t>
+            </a:r>
+            <a:r>
+              <a:rPr lang="en-US" dirty="0" err="1"/>
+              <a:t>có</a:t>
+            </a:r>
+            <a:r>
+              <a:rPr lang="en-US" dirty="0"/>
+              <a:t> </a:t>
+            </a:r>
+            <a:r>
+              <a:rPr lang="en-US" dirty="0" err="1"/>
+              <a:t>ảnh</a:t>
+            </a:r>
+            <a:r>
+              <a:rPr lang="en-US" dirty="0"/>
+              <a:t> </a:t>
+            </a:r>
+            <a:r>
+              <a:rPr lang="en-US" dirty="0" err="1"/>
+              <a:t>hưởng</a:t>
+            </a:r>
+            <a:r>
+              <a:rPr lang="en-US" dirty="0"/>
+              <a:t> services </a:t>
+            </a:r>
+            <a:r>
+              <a:rPr lang="en-US" dirty="0" err="1"/>
+              <a:t>khác</a:t>
+            </a:r>
+            <a:r>
+              <a:rPr lang="en-US" dirty="0"/>
+              <a:t> </a:t>
+            </a:r>
+            <a:r>
+              <a:rPr lang="en-US" dirty="0" err="1"/>
+              <a:t>không</a:t>
+            </a:r>
+            <a:r>
+              <a:rPr lang="en-US" dirty="0"/>
+              <a:t> ?</a:t>
+            </a:r>
+          </a:p>
+          <a:p>
+            <a:r>
+              <a:rPr lang="en-US" dirty="0" err="1"/>
+              <a:t>Có</a:t>
+            </a:r>
+            <a:r>
+              <a:rPr lang="en-US" dirty="0"/>
+              <a:t> </a:t>
+            </a:r>
+            <a:r>
+              <a:rPr lang="en-US" dirty="0" err="1"/>
+              <a:t>cần</a:t>
+            </a:r>
+            <a:r>
+              <a:rPr lang="en-US" dirty="0"/>
+              <a:t> </a:t>
+            </a:r>
+            <a:r>
+              <a:rPr lang="en-US" dirty="0" err="1"/>
+              <a:t>phải</a:t>
+            </a:r>
+            <a:r>
+              <a:rPr lang="en-US" dirty="0"/>
+              <a:t> </a:t>
+            </a:r>
+            <a:r>
+              <a:rPr lang="en-US" dirty="0" err="1"/>
+              <a:t>xin</a:t>
+            </a:r>
+            <a:r>
+              <a:rPr lang="en-US" dirty="0"/>
+              <a:t> </a:t>
+            </a:r>
+            <a:r>
+              <a:rPr lang="en-US" dirty="0" err="1"/>
+              <a:t>thêm</a:t>
+            </a:r>
+            <a:r>
+              <a:rPr lang="en-US" dirty="0"/>
+              <a:t> server </a:t>
+            </a:r>
+            <a:r>
+              <a:rPr lang="en-US" dirty="0" err="1"/>
+              <a:t>không</a:t>
+            </a:r>
+            <a:r>
+              <a:rPr lang="en-US" dirty="0"/>
+              <a:t> ?</a:t>
+            </a:r>
+          </a:p>
+          <a:p>
+            <a:r>
+              <a:rPr lang="en-US" dirty="0" err="1"/>
+              <a:t>Đa</a:t>
+            </a:r>
+            <a:r>
+              <a:rPr lang="en-US" dirty="0"/>
+              <a:t> </a:t>
+            </a:r>
+            <a:r>
+              <a:rPr lang="en-US" dirty="0" err="1"/>
+              <a:t>phần</a:t>
+            </a:r>
+            <a:r>
+              <a:rPr lang="en-US" dirty="0"/>
+              <a:t> </a:t>
+            </a:r>
+            <a:r>
+              <a:rPr lang="en-US" dirty="0" err="1"/>
+              <a:t>blackbox</a:t>
+            </a:r>
+            <a:r>
+              <a:rPr lang="en-US" dirty="0"/>
+              <a:t> monitoring</a:t>
+            </a:r>
+          </a:p>
+          <a:p>
+            <a:r>
+              <a:rPr lang="en-US" dirty="0"/>
+              <a:t>Bash shell, Script Check</a:t>
             </a:r>
           </a:p>
         </p:txBody>
@@ -1740,7 +2421,7 @@
     </p:spTree>
     <p:extLst>
       <p:ext uri="{BB962C8B-B14F-4D97-AF65-F5344CB8AC3E}">
-        <p14:creationId xmlns:p14="http://schemas.microsoft.com/office/powerpoint/2010/main" val="588977482"/>
+        <p14:creationId xmlns:p14="http://schemas.microsoft.com/office/powerpoint/2010/main" val="2421973514"/>
       </p:ext>
     </p:extLst>
   </p:cSld>
@@ -1772,7 +2453,7 @@
           <p:cNvPr id="2" name="Title 1">
             <a:extLst>
               <a:ext uri="{FF2B5EF4-FFF2-40B4-BE49-F238E27FC236}">
-                <a16:creationId xmlns:a16="http://schemas.microsoft.com/office/drawing/2014/main" id="{DBFAE924-0D53-ED49-ACFE-BDD2AA4E9302}"/>
+                <a16:creationId xmlns:a16="http://schemas.microsoft.com/office/drawing/2014/main" id="{ADA8522E-BD20-2340-8516-01F8E00D5E18}"/>
               </a:ext>
             </a:extLst>
           </p:cNvPr>
@@ -1789,20 +2470,24 @@
           <a:lstStyle/>
           <a:p>
             <a:r>
-              <a:rPr lang="en-US" dirty="0" err="1"/>
-              <a:t>Tổng</a:t>
-            </a:r>
-            <a:r>
-              <a:rPr lang="en-US" dirty="0"/>
-              <a:t> </a:t>
-            </a:r>
-            <a:r>
-              <a:rPr lang="en-US" dirty="0" err="1"/>
-              <a:t>quan</a:t>
-            </a:r>
-            <a:r>
-              <a:rPr lang="en-US" dirty="0"/>
-              <a:t> Prometheus</a:t>
+              <a:rPr lang="en-US" dirty="0"/>
+              <a:t>Prometheus </a:t>
+            </a:r>
+            <a:r>
+              <a:rPr lang="en-US" dirty="0" err="1"/>
+              <a:t>là</a:t>
+            </a:r>
+            <a:r>
+              <a:rPr lang="en-US" dirty="0"/>
+              <a:t> </a:t>
+            </a:r>
+            <a:r>
+              <a:rPr lang="en-US" dirty="0" err="1"/>
+              <a:t>gì</a:t>
+            </a:r>
+            <a:r>
+              <a:rPr lang="en-US" dirty="0"/>
+              <a:t> ?</a:t>
             </a:r>
           </a:p>
         </p:txBody>
@@ -1812,7 +2497,7 @@
           <p:cNvPr id="3" name="Content Placeholder 2">
             <a:extLst>
               <a:ext uri="{FF2B5EF4-FFF2-40B4-BE49-F238E27FC236}">
-                <a16:creationId xmlns:a16="http://schemas.microsoft.com/office/drawing/2014/main" id="{E86C9887-9997-0341-ABC6-53573ABF561D}"/>
+                <a16:creationId xmlns:a16="http://schemas.microsoft.com/office/drawing/2014/main" id="{3DDEB37A-CB90-0345-B6AC-D5858924686B}"/>
               </a:ext>
             </a:extLst>
           </p:cNvPr>
@@ -1825,260 +2510,128 @@
         </p:nvSpPr>
         <p:spPr/>
         <p:txBody>
-          <a:bodyPr>
-            <a:normAutofit/>
-          </a:bodyPr>
+          <a:bodyPr/>
           <a:lstStyle/>
           <a:p>
             <a:r>
-              <a:rPr lang="en-US" dirty="0" err="1"/>
-              <a:t>Mô</a:t>
-            </a:r>
-            <a:r>
-              <a:rPr lang="en-US" dirty="0"/>
-              <a:t> </a:t>
-            </a:r>
-            <a:r>
-              <a:rPr lang="en-US" dirty="0" err="1"/>
-              <a:t>hình</a:t>
-            </a:r>
-            <a:r>
-              <a:rPr lang="en-US" dirty="0"/>
-              <a:t> </a:t>
-            </a:r>
-            <a:r>
-              <a:rPr lang="en-US" dirty="0" err="1"/>
-              <a:t>dữ</a:t>
-            </a:r>
-            <a:r>
-              <a:rPr lang="en-US" dirty="0"/>
-              <a:t> </a:t>
-            </a:r>
-            <a:r>
-              <a:rPr lang="en-US" dirty="0" err="1"/>
-              <a:t>liệu</a:t>
-            </a:r>
-            <a:r>
-              <a:rPr lang="en-US" dirty="0"/>
-              <a:t> </a:t>
-            </a:r>
-            <a:r>
-              <a:rPr lang="en-US" dirty="0" err="1"/>
-              <a:t>đa</a:t>
-            </a:r>
-            <a:r>
-              <a:rPr lang="en-US" dirty="0"/>
-              <a:t> </a:t>
-            </a:r>
-            <a:r>
-              <a:rPr lang="en-US" dirty="0" err="1"/>
-              <a:t>chiều</a:t>
-            </a:r>
-            <a:endParaRPr lang="en-US" dirty="0"/>
-          </a:p>
-          <a:p>
-            <a:r>
-              <a:rPr lang="en-US" dirty="0" err="1"/>
-              <a:t>PromQL</a:t>
-            </a:r>
-            <a:r>
-              <a:rPr lang="en-US" dirty="0"/>
-              <a:t> - </a:t>
-            </a:r>
-            <a:r>
-              <a:rPr lang="en-US" dirty="0" err="1"/>
-              <a:t>truy</a:t>
-            </a:r>
-            <a:r>
-              <a:rPr lang="en-US" dirty="0"/>
-              <a:t> </a:t>
-            </a:r>
-            <a:r>
-              <a:rPr lang="en-US" dirty="0" err="1"/>
-              <a:t>vấn</a:t>
-            </a:r>
-            <a:r>
-              <a:rPr lang="en-US" dirty="0"/>
-              <a:t> </a:t>
-            </a:r>
-            <a:r>
-              <a:rPr lang="en-US" dirty="0" err="1"/>
-              <a:t>linh</a:t>
-            </a:r>
-            <a:r>
-              <a:rPr lang="en-US" dirty="0"/>
-              <a:t> </a:t>
-            </a:r>
-            <a:r>
-              <a:rPr lang="en-US" dirty="0" err="1"/>
-              <a:t>hoạt</a:t>
-            </a:r>
-            <a:endParaRPr lang="en-US" dirty="0"/>
-          </a:p>
-          <a:p>
-            <a:r>
-              <a:rPr lang="en-US" dirty="0" err="1"/>
-              <a:t>Không</a:t>
-            </a:r>
-            <a:r>
-              <a:rPr lang="en-US" dirty="0"/>
-              <a:t> </a:t>
-            </a:r>
-            <a:r>
-              <a:rPr lang="en-US" dirty="0" err="1"/>
-              <a:t>phụ</a:t>
-            </a:r>
-            <a:r>
-              <a:rPr lang="en-US" dirty="0"/>
-              <a:t> </a:t>
-            </a:r>
-            <a:r>
-              <a:rPr lang="en-US" dirty="0" err="1"/>
-              <a:t>thuộc</a:t>
-            </a:r>
-            <a:r>
-              <a:rPr lang="en-US" dirty="0"/>
-              <a:t> </a:t>
-            </a:r>
-            <a:r>
-              <a:rPr lang="en-US" dirty="0" err="1"/>
-              <a:t>vào</a:t>
-            </a:r>
-            <a:r>
-              <a:rPr lang="en-US" dirty="0"/>
-              <a:t> </a:t>
-            </a:r>
-            <a:r>
-              <a:rPr lang="en-US" dirty="0" err="1"/>
-              <a:t>lưu</a:t>
-            </a:r>
-            <a:r>
-              <a:rPr lang="en-US" dirty="0"/>
-              <a:t> </a:t>
-            </a:r>
-            <a:r>
-              <a:rPr lang="en-US" dirty="0" err="1"/>
-              <a:t>trữ</a:t>
-            </a:r>
-            <a:r>
-              <a:rPr lang="en-US" dirty="0"/>
-              <a:t> </a:t>
-            </a:r>
-            <a:r>
-              <a:rPr lang="en-US" dirty="0" err="1"/>
-              <a:t>phân</a:t>
-            </a:r>
-            <a:r>
-              <a:rPr lang="en-US" dirty="0"/>
-              <a:t> </a:t>
-            </a:r>
-            <a:r>
-              <a:rPr lang="en-US" dirty="0" err="1"/>
-              <a:t>tán</a:t>
-            </a:r>
-            <a:endParaRPr lang="en-US" dirty="0"/>
-          </a:p>
-          <a:p>
-            <a:r>
-              <a:rPr lang="en-US" dirty="0"/>
-              <a:t>Pull model</a:t>
-            </a:r>
-          </a:p>
-          <a:p>
-            <a:r>
-              <a:rPr lang="en-US" dirty="0"/>
-              <a:t>Push model </a:t>
-            </a:r>
-            <a:r>
-              <a:rPr lang="en-US" dirty="0" err="1"/>
-              <a:t>thông</a:t>
-            </a:r>
-            <a:r>
-              <a:rPr lang="en-US" dirty="0"/>
-              <a:t> qua </a:t>
-            </a:r>
-            <a:r>
-              <a:rPr lang="en-US" dirty="0" err="1"/>
-              <a:t>Pushgateway</a:t>
-            </a:r>
-            <a:endParaRPr lang="en-US" dirty="0"/>
-          </a:p>
-          <a:p>
-            <a:r>
-              <a:rPr lang="en-US" dirty="0" err="1"/>
-              <a:t>Nhiều</a:t>
-            </a:r>
-            <a:r>
-              <a:rPr lang="en-US" dirty="0"/>
-              <a:t> </a:t>
-            </a:r>
-            <a:r>
-              <a:rPr lang="en-US" dirty="0" err="1"/>
-              <a:t>thư</a:t>
-            </a:r>
-            <a:r>
-              <a:rPr lang="en-US" dirty="0"/>
-              <a:t> </a:t>
-            </a:r>
-            <a:r>
-              <a:rPr lang="en-US" dirty="0" err="1"/>
-              <a:t>viện</a:t>
-            </a:r>
-            <a:r>
-              <a:rPr lang="en-US" dirty="0"/>
-              <a:t> </a:t>
-            </a:r>
-            <a:r>
-              <a:rPr lang="en-US" dirty="0" err="1"/>
-              <a:t>có</a:t>
-            </a:r>
-            <a:r>
-              <a:rPr lang="en-US" dirty="0"/>
-              <a:t> </a:t>
-            </a:r>
-            <a:r>
-              <a:rPr lang="en-US" dirty="0" err="1"/>
-              <a:t>sẵn</a:t>
-            </a:r>
-            <a:r>
-              <a:rPr lang="en-US" dirty="0"/>
-              <a:t> (Golang, Java, Python, Ruby, …)</a:t>
-            </a:r>
-          </a:p>
-          <a:p>
-            <a:r>
-              <a:rPr lang="en-US" dirty="0" err="1"/>
-              <a:t>Tích</a:t>
-            </a:r>
-            <a:r>
-              <a:rPr lang="en-US" dirty="0"/>
-              <a:t> </a:t>
-            </a:r>
-            <a:r>
-              <a:rPr lang="en-US" dirty="0" err="1"/>
-              <a:t>hợp</a:t>
-            </a:r>
-            <a:r>
-              <a:rPr lang="en-US" dirty="0"/>
-              <a:t> </a:t>
-            </a:r>
-            <a:r>
-              <a:rPr lang="en-US" dirty="0" err="1"/>
-              <a:t>nhiều</a:t>
-            </a:r>
-            <a:r>
-              <a:rPr lang="en-US" dirty="0"/>
-              <a:t> exporter</a:t>
-            </a:r>
-          </a:p>
-          <a:p>
-            <a:r>
-              <a:rPr lang="en-US" dirty="0" err="1"/>
-              <a:t>Nhiều</a:t>
-            </a:r>
-            <a:r>
-              <a:rPr lang="en-US" dirty="0"/>
-              <a:t> Metric Types (Counter, Gauge, Histogram, Summary)</a:t>
+              <a:rPr lang="en-US" dirty="0"/>
+              <a:t>Prometheus </a:t>
+            </a:r>
+            <a:r>
+              <a:rPr lang="en-US" dirty="0" err="1"/>
+              <a:t>là</a:t>
+            </a:r>
+            <a:r>
+              <a:rPr lang="en-US" dirty="0"/>
+              <a:t> </a:t>
+            </a:r>
+            <a:r>
+              <a:rPr lang="en-US" dirty="0" err="1"/>
+              <a:t>công</a:t>
+            </a:r>
+            <a:r>
+              <a:rPr lang="en-US" dirty="0"/>
+              <a:t> </a:t>
+            </a:r>
+            <a:r>
+              <a:rPr lang="en-US" dirty="0" err="1"/>
+              <a:t>cụ</a:t>
+            </a:r>
+            <a:r>
+              <a:rPr lang="en-US" dirty="0"/>
+              <a:t> </a:t>
+            </a:r>
+            <a:r>
+              <a:rPr lang="en-US" dirty="0" err="1"/>
+              <a:t>giám</a:t>
+            </a:r>
+            <a:r>
+              <a:rPr lang="en-US" dirty="0"/>
+              <a:t> </a:t>
+            </a:r>
+            <a:r>
+              <a:rPr lang="en-US" dirty="0" err="1"/>
+              <a:t>sát</a:t>
+            </a:r>
+            <a:r>
+              <a:rPr lang="en-US" dirty="0"/>
+              <a:t>, </a:t>
+            </a:r>
+            <a:r>
+              <a:rPr lang="en-US" dirty="0" err="1"/>
+              <a:t>cảnh</a:t>
+            </a:r>
+            <a:r>
+              <a:rPr lang="en-US" dirty="0"/>
+              <a:t> </a:t>
+            </a:r>
+            <a:r>
+              <a:rPr lang="en-US" dirty="0" err="1"/>
+              <a:t>báo</a:t>
+            </a:r>
+            <a:r>
+              <a:rPr lang="en-US" dirty="0"/>
+              <a:t> </a:t>
+            </a:r>
+            <a:r>
+              <a:rPr lang="en-US" dirty="0" err="1"/>
+              <a:t>hệ</a:t>
+            </a:r>
+            <a:r>
+              <a:rPr lang="en-US" dirty="0"/>
+              <a:t> </a:t>
+            </a:r>
+            <a:r>
+              <a:rPr lang="en-US" dirty="0" err="1"/>
+              <a:t>thống</a:t>
+            </a:r>
+            <a:r>
+              <a:rPr lang="en-US" dirty="0"/>
+              <a:t> </a:t>
+            </a:r>
+          </a:p>
+          <a:p>
+            <a:r>
+              <a:rPr lang="en-US" dirty="0" err="1"/>
+              <a:t>Xây</a:t>
+            </a:r>
+            <a:r>
+              <a:rPr lang="en-US" dirty="0"/>
+              <a:t> </a:t>
+            </a:r>
+            <a:r>
+              <a:rPr lang="en-US" dirty="0" err="1"/>
+              <a:t>dựng</a:t>
+            </a:r>
+            <a:r>
+              <a:rPr lang="en-US" dirty="0"/>
+              <a:t> </a:t>
+            </a:r>
+            <a:r>
+              <a:rPr lang="en-US" dirty="0" err="1"/>
+              <a:t>bởi</a:t>
+            </a:r>
+            <a:r>
+              <a:rPr lang="en-US" dirty="0"/>
+              <a:t> SoundCloud</a:t>
+            </a:r>
+          </a:p>
+          <a:p>
+            <a:r>
+              <a:rPr lang="en-US" dirty="0"/>
+              <a:t>Cloud Native Computing Foundation</a:t>
+            </a:r>
+          </a:p>
+          <a:p>
+            <a:r>
+              <a:rPr lang="en-US" dirty="0"/>
+              <a:t>Microservices</a:t>
+            </a:r>
+          </a:p>
+          <a:p>
+            <a:r>
+              <a:rPr lang="en-US" dirty="0"/>
+              <a:t>Metrics Monitoring</a:t>
             </a:r>
           </a:p>
         </p:txBody>
@@ -2086,7 +2639,7 @@
     </p:spTree>
     <p:extLst>
       <p:ext uri="{BB962C8B-B14F-4D97-AF65-F5344CB8AC3E}">
-        <p14:creationId xmlns:p14="http://schemas.microsoft.com/office/powerpoint/2010/main" val="2613703228"/>
+        <p14:creationId xmlns:p14="http://schemas.microsoft.com/office/powerpoint/2010/main" val="588977482"/>
       </p:ext>
     </p:extLst>
   </p:cSld>
@@ -2113,63 +2666,40 @@
           <a:chExt cx="0" cy="0"/>
         </a:xfrm>
       </p:grpSpPr>
-      <p:sp>
-        <p:nvSpPr>
-          <p:cNvPr id="2" name="Title 1">
-            <a:extLst>
-              <a:ext uri="{FF2B5EF4-FFF2-40B4-BE49-F238E27FC236}">
-                <a16:creationId xmlns:a16="http://schemas.microsoft.com/office/drawing/2014/main" id="{877567E1-BD75-3A4E-844D-433567BFFA58}"/>
-              </a:ext>
-            </a:extLst>
-          </p:cNvPr>
-          <p:cNvSpPr>
-            <a:spLocks noGrp="1"/>
-          </p:cNvSpPr>
-          <p:nvPr>
-            <p:ph type="title"/>
-          </p:nvPr>
-        </p:nvSpPr>
-        <p:spPr/>
-        <p:txBody>
-          <a:bodyPr/>
-          <a:lstStyle/>
-          <a:p>
-            <a:r>
-              <a:rPr lang="en-US" b="1" dirty="0"/>
-              <a:t>Architecture</a:t>
-            </a:r>
-          </a:p>
-        </p:txBody>
-      </p:sp>
-      <p:sp>
-        <p:nvSpPr>
-          <p:cNvPr id="3" name="Content Placeholder 2">
-            <a:extLst>
-              <a:ext uri="{FF2B5EF4-FFF2-40B4-BE49-F238E27FC236}">
-                <a16:creationId xmlns:a16="http://schemas.microsoft.com/office/drawing/2014/main" id="{C862B8DD-DA94-8B46-82E3-059480416773}"/>
-              </a:ext>
-            </a:extLst>
-          </p:cNvPr>
-          <p:cNvSpPr>
-            <a:spLocks noGrp="1"/>
-          </p:cNvSpPr>
-          <p:nvPr>
-            <p:ph idx="1"/>
-          </p:nvPr>
-        </p:nvSpPr>
-        <p:spPr/>
-        <p:txBody>
-          <a:bodyPr/>
-          <a:lstStyle/>
-          <a:p>
-            <a:endParaRPr lang="en-US" dirty="0"/>
-          </a:p>
-        </p:txBody>
-      </p:sp>
+      <p:pic>
+        <p:nvPicPr>
+          <p:cNvPr id="9" name="Picture 8">
+            <a:extLst>
+              <a:ext uri="{FF2B5EF4-FFF2-40B4-BE49-F238E27FC236}">
+                <a16:creationId xmlns:a16="http://schemas.microsoft.com/office/drawing/2014/main" id="{B28351A3-A042-F140-8D6C-54ED662D2513}"/>
+              </a:ext>
+            </a:extLst>
+          </p:cNvPr>
+          <p:cNvPicPr>
+            <a:picLocks noChangeAspect="1"/>
+          </p:cNvPicPr>
+          <p:nvPr/>
+        </p:nvPicPr>
+        <p:blipFill>
+          <a:blip r:embed="rId2"/>
+          <a:stretch>
+            <a:fillRect/>
+          </a:stretch>
+        </p:blipFill>
+        <p:spPr>
+          <a:xfrm>
+            <a:off x="568037" y="507423"/>
+            <a:ext cx="11042073" cy="5934731"/>
+          </a:xfrm>
+          <a:prstGeom prst="rect">
+            <a:avLst/>
+          </a:prstGeom>
+        </p:spPr>
+      </p:pic>
     </p:spTree>
     <p:extLst>
       <p:ext uri="{BB962C8B-B14F-4D97-AF65-F5344CB8AC3E}">
-        <p14:creationId xmlns:p14="http://schemas.microsoft.com/office/powerpoint/2010/main" val="921353110"/>
+        <p14:creationId xmlns:p14="http://schemas.microsoft.com/office/powerpoint/2010/main" val="2222016711"/>
       </p:ext>
     </p:extLst>
   </p:cSld>
@@ -2196,12 +2726,571 @@
           <a:chExt cx="0" cy="0"/>
         </a:xfrm>
       </p:grpSpPr>
+      <p:sp>
+        <p:nvSpPr>
+          <p:cNvPr id="2" name="Title 1">
+            <a:extLst>
+              <a:ext uri="{FF2B5EF4-FFF2-40B4-BE49-F238E27FC236}">
+                <a16:creationId xmlns:a16="http://schemas.microsoft.com/office/drawing/2014/main" id="{DBFAE924-0D53-ED49-ACFE-BDD2AA4E9302}"/>
+              </a:ext>
+            </a:extLst>
+          </p:cNvPr>
+          <p:cNvSpPr>
+            <a:spLocks noGrp="1"/>
+          </p:cNvSpPr>
+          <p:nvPr>
+            <p:ph type="title"/>
+          </p:nvPr>
+        </p:nvSpPr>
+        <p:spPr/>
+        <p:txBody>
+          <a:bodyPr/>
+          <a:lstStyle/>
+          <a:p>
+            <a:r>
+              <a:rPr lang="en-US" dirty="0" err="1"/>
+              <a:t>Tổng</a:t>
+            </a:r>
+            <a:r>
+              <a:rPr lang="en-US" dirty="0"/>
+              <a:t> </a:t>
+            </a:r>
+            <a:r>
+              <a:rPr lang="en-US" dirty="0" err="1"/>
+              <a:t>quan</a:t>
+            </a:r>
+            <a:r>
+              <a:rPr lang="en-US" dirty="0"/>
+              <a:t> Prometheus</a:t>
+            </a:r>
+          </a:p>
+        </p:txBody>
+      </p:sp>
+      <p:sp>
+        <p:nvSpPr>
+          <p:cNvPr id="3" name="Content Placeholder 2">
+            <a:extLst>
+              <a:ext uri="{FF2B5EF4-FFF2-40B4-BE49-F238E27FC236}">
+                <a16:creationId xmlns:a16="http://schemas.microsoft.com/office/drawing/2014/main" id="{E86C9887-9997-0341-ABC6-53573ABF561D}"/>
+              </a:ext>
+            </a:extLst>
+          </p:cNvPr>
+          <p:cNvSpPr>
+            <a:spLocks noGrp="1"/>
+          </p:cNvSpPr>
+          <p:nvPr>
+            <p:ph idx="1"/>
+          </p:nvPr>
+        </p:nvSpPr>
+        <p:spPr>
+          <a:xfrm>
+            <a:off x="838200" y="1865577"/>
+            <a:ext cx="10515600" cy="4756896"/>
+          </a:xfrm>
+        </p:spPr>
+        <p:txBody>
+          <a:bodyPr>
+            <a:normAutofit/>
+          </a:bodyPr>
+          <a:lstStyle/>
+          <a:p>
+            <a:r>
+              <a:rPr lang="en-US" dirty="0" err="1"/>
+              <a:t>Mô</a:t>
+            </a:r>
+            <a:r>
+              <a:rPr lang="en-US" dirty="0"/>
+              <a:t> </a:t>
+            </a:r>
+            <a:r>
+              <a:rPr lang="en-US" dirty="0" err="1"/>
+              <a:t>hình</a:t>
+            </a:r>
+            <a:r>
+              <a:rPr lang="en-US" dirty="0"/>
+              <a:t> </a:t>
+            </a:r>
+            <a:r>
+              <a:rPr lang="en-US" dirty="0" err="1"/>
+              <a:t>dữ</a:t>
+            </a:r>
+            <a:r>
+              <a:rPr lang="en-US" dirty="0"/>
+              <a:t> </a:t>
+            </a:r>
+            <a:r>
+              <a:rPr lang="en-US" dirty="0" err="1"/>
+              <a:t>liệu</a:t>
+            </a:r>
+            <a:r>
+              <a:rPr lang="en-US" dirty="0"/>
+              <a:t> </a:t>
+            </a:r>
+            <a:r>
+              <a:rPr lang="en-US" dirty="0" err="1"/>
+              <a:t>đa</a:t>
+            </a:r>
+            <a:r>
+              <a:rPr lang="en-US" dirty="0"/>
+              <a:t> </a:t>
+            </a:r>
+            <a:r>
+              <a:rPr lang="en-US" dirty="0" err="1"/>
+              <a:t>chiều</a:t>
+            </a:r>
+            <a:endParaRPr lang="en-US" dirty="0"/>
+          </a:p>
+          <a:p>
+            <a:r>
+              <a:rPr lang="en-US" dirty="0" err="1"/>
+              <a:t>PromQL</a:t>
+            </a:r>
+            <a:r>
+              <a:rPr lang="en-US" dirty="0"/>
+              <a:t> - </a:t>
+            </a:r>
+            <a:r>
+              <a:rPr lang="en-US" dirty="0" err="1"/>
+              <a:t>truy</a:t>
+            </a:r>
+            <a:r>
+              <a:rPr lang="en-US" dirty="0"/>
+              <a:t> </a:t>
+            </a:r>
+            <a:r>
+              <a:rPr lang="en-US" dirty="0" err="1"/>
+              <a:t>vấn</a:t>
+            </a:r>
+            <a:r>
+              <a:rPr lang="en-US" dirty="0"/>
+              <a:t> </a:t>
+            </a:r>
+            <a:r>
+              <a:rPr lang="en-US" dirty="0" err="1"/>
+              <a:t>linh</a:t>
+            </a:r>
+            <a:r>
+              <a:rPr lang="en-US" dirty="0"/>
+              <a:t> </a:t>
+            </a:r>
+            <a:r>
+              <a:rPr lang="en-US" dirty="0" err="1"/>
+              <a:t>hoạt</a:t>
+            </a:r>
+            <a:endParaRPr lang="en-US" dirty="0"/>
+          </a:p>
+          <a:p>
+            <a:r>
+              <a:rPr lang="en-US" dirty="0" err="1"/>
+              <a:t>Không</a:t>
+            </a:r>
+            <a:r>
+              <a:rPr lang="en-US" dirty="0"/>
+              <a:t> </a:t>
+            </a:r>
+            <a:r>
+              <a:rPr lang="en-US" dirty="0" err="1"/>
+              <a:t>phụ</a:t>
+            </a:r>
+            <a:r>
+              <a:rPr lang="en-US" dirty="0"/>
+              <a:t> </a:t>
+            </a:r>
+            <a:r>
+              <a:rPr lang="en-US" dirty="0" err="1"/>
+              <a:t>thuộc</a:t>
+            </a:r>
+            <a:r>
+              <a:rPr lang="en-US" dirty="0"/>
+              <a:t> </a:t>
+            </a:r>
+            <a:r>
+              <a:rPr lang="en-US" dirty="0" err="1"/>
+              <a:t>vào</a:t>
+            </a:r>
+            <a:r>
+              <a:rPr lang="en-US" dirty="0"/>
+              <a:t> </a:t>
+            </a:r>
+            <a:r>
+              <a:rPr lang="en-US" dirty="0" err="1"/>
+              <a:t>lưu</a:t>
+            </a:r>
+            <a:r>
+              <a:rPr lang="en-US" dirty="0"/>
+              <a:t> </a:t>
+            </a:r>
+            <a:r>
+              <a:rPr lang="en-US" dirty="0" err="1"/>
+              <a:t>trữ</a:t>
+            </a:r>
+            <a:r>
+              <a:rPr lang="en-US" dirty="0"/>
+              <a:t> </a:t>
+            </a:r>
+            <a:r>
+              <a:rPr lang="en-US" dirty="0" err="1"/>
+              <a:t>phân</a:t>
+            </a:r>
+            <a:r>
+              <a:rPr lang="en-US" dirty="0"/>
+              <a:t> </a:t>
+            </a:r>
+            <a:r>
+              <a:rPr lang="en-US" dirty="0" err="1"/>
+              <a:t>tán</a:t>
+            </a:r>
+            <a:endParaRPr lang="en-US" dirty="0"/>
+          </a:p>
+          <a:p>
+            <a:r>
+              <a:rPr lang="en-US" dirty="0"/>
+              <a:t>Pull model</a:t>
+            </a:r>
+          </a:p>
+          <a:p>
+            <a:r>
+              <a:rPr lang="en-US" dirty="0"/>
+              <a:t>Push model </a:t>
+            </a:r>
+            <a:r>
+              <a:rPr lang="en-US" dirty="0" err="1"/>
+              <a:t>thông</a:t>
+            </a:r>
+            <a:r>
+              <a:rPr lang="en-US" dirty="0"/>
+              <a:t> qua </a:t>
+            </a:r>
+            <a:r>
+              <a:rPr lang="en-US" dirty="0" err="1"/>
+              <a:t>Pushgateway</a:t>
+            </a:r>
+            <a:endParaRPr lang="en-US" dirty="0"/>
+          </a:p>
+          <a:p>
+            <a:r>
+              <a:rPr lang="en-US" dirty="0" err="1"/>
+              <a:t>Nhiều</a:t>
+            </a:r>
+            <a:r>
+              <a:rPr lang="en-US" dirty="0"/>
+              <a:t> </a:t>
+            </a:r>
+            <a:r>
+              <a:rPr lang="en-US" dirty="0" err="1"/>
+              <a:t>thư</a:t>
+            </a:r>
+            <a:r>
+              <a:rPr lang="en-US" dirty="0"/>
+              <a:t> </a:t>
+            </a:r>
+            <a:r>
+              <a:rPr lang="en-US" dirty="0" err="1"/>
+              <a:t>viện</a:t>
+            </a:r>
+            <a:r>
+              <a:rPr lang="en-US" dirty="0"/>
+              <a:t> </a:t>
+            </a:r>
+            <a:r>
+              <a:rPr lang="en-US" dirty="0" err="1"/>
+              <a:t>có</a:t>
+            </a:r>
+            <a:r>
+              <a:rPr lang="en-US" dirty="0"/>
+              <a:t> </a:t>
+            </a:r>
+            <a:r>
+              <a:rPr lang="en-US" dirty="0" err="1"/>
+              <a:t>sẵn</a:t>
+            </a:r>
+            <a:r>
+              <a:rPr lang="en-US" dirty="0"/>
+              <a:t> (Golang, Java, Python, Ruby, …)</a:t>
+            </a:r>
+          </a:p>
+          <a:p>
+            <a:r>
+              <a:rPr lang="en-US" dirty="0" err="1"/>
+              <a:t>Tích</a:t>
+            </a:r>
+            <a:r>
+              <a:rPr lang="en-US" dirty="0"/>
+              <a:t> </a:t>
+            </a:r>
+            <a:r>
+              <a:rPr lang="en-US" dirty="0" err="1"/>
+              <a:t>hợp</a:t>
+            </a:r>
+            <a:r>
+              <a:rPr lang="en-US" dirty="0"/>
+              <a:t> </a:t>
+            </a:r>
+            <a:r>
+              <a:rPr lang="en-US" dirty="0" err="1"/>
+              <a:t>nhiều</a:t>
+            </a:r>
+            <a:r>
+              <a:rPr lang="en-US" dirty="0"/>
+              <a:t> exporter</a:t>
+            </a:r>
+          </a:p>
+          <a:p>
+            <a:r>
+              <a:rPr lang="en-US" dirty="0" err="1"/>
+              <a:t>Nhiều</a:t>
+            </a:r>
+            <a:r>
+              <a:rPr lang="en-US" dirty="0"/>
+              <a:t> Metric Types (Counter, Gauge, Histogram, Summary)</a:t>
+            </a:r>
+          </a:p>
+          <a:p>
+            <a:r>
+              <a:rPr lang="en-US" dirty="0"/>
+              <a:t>Prometheus 2.x </a:t>
+            </a:r>
+            <a:r>
+              <a:rPr lang="en-US" dirty="0" err="1"/>
+              <a:t>dùng</a:t>
+            </a:r>
+            <a:r>
+              <a:rPr lang="en-US" dirty="0"/>
+              <a:t> </a:t>
+            </a:r>
+            <a:r>
+              <a:rPr lang="en-US" dirty="0" err="1"/>
+              <a:t>prometheus</a:t>
+            </a:r>
+            <a:r>
+              <a:rPr lang="en-US" dirty="0"/>
+              <a:t>/</a:t>
+            </a:r>
+            <a:r>
+              <a:rPr lang="en-US" dirty="0" err="1"/>
+              <a:t>tsdb</a:t>
+            </a:r>
+            <a:endParaRPr lang="en-US" dirty="0"/>
+          </a:p>
+        </p:txBody>
+      </p:sp>
+    </p:spTree>
+    <p:extLst>
+      <p:ext uri="{BB962C8B-B14F-4D97-AF65-F5344CB8AC3E}">
+        <p14:creationId xmlns:p14="http://schemas.microsoft.com/office/powerpoint/2010/main" val="2613703228"/>
+      </p:ext>
+    </p:extLst>
+  </p:cSld>
+  <p:clrMapOvr>
+    <a:masterClrMapping/>
+  </p:clrMapOvr>
+</p:sld>
+</file>
+
+<file path=ppt/slides/slide7.xml><?xml version="1.0" encoding="utf-8"?>
+<p:sld xmlns:a="http://schemas.openxmlformats.org/drawingml/2006/main" xmlns:r="http://schemas.openxmlformats.org/officeDocument/2006/relationships" xmlns:p="http://schemas.openxmlformats.org/presentationml/2006/main">
+  <p:cSld>
+    <p:spTree>
+      <p:nvGrpSpPr>
+        <p:cNvPr id="1" name=""/>
+        <p:cNvGrpSpPr/>
+        <p:nvPr/>
+      </p:nvGrpSpPr>
+      <p:grpSpPr>
+        <a:xfrm>
+          <a:off x="0" y="0"/>
+          <a:ext cx="0" cy="0"/>
+          <a:chOff x="0" y="0"/>
+          <a:chExt cx="0" cy="0"/>
+        </a:xfrm>
+      </p:grpSpPr>
+      <p:sp>
+        <p:nvSpPr>
+          <p:cNvPr id="2" name="Title 1">
+            <a:extLst>
+              <a:ext uri="{FF2B5EF4-FFF2-40B4-BE49-F238E27FC236}">
+                <a16:creationId xmlns:a16="http://schemas.microsoft.com/office/drawing/2014/main" id="{DBFAE924-0D53-ED49-ACFE-BDD2AA4E9302}"/>
+              </a:ext>
+            </a:extLst>
+          </p:cNvPr>
+          <p:cNvSpPr>
+            <a:spLocks noGrp="1"/>
+          </p:cNvSpPr>
+          <p:nvPr>
+            <p:ph type="title"/>
+          </p:nvPr>
+        </p:nvSpPr>
+        <p:spPr/>
+        <p:txBody>
+          <a:bodyPr/>
+          <a:lstStyle/>
+          <a:p>
+            <a:r>
+              <a:rPr lang="en-US" dirty="0" err="1"/>
+              <a:t>PromQL</a:t>
+            </a:r>
+            <a:endParaRPr lang="en-US" dirty="0"/>
+          </a:p>
+        </p:txBody>
+      </p:sp>
+      <p:sp>
+        <p:nvSpPr>
+          <p:cNvPr id="3" name="Content Placeholder 2">
+            <a:extLst>
+              <a:ext uri="{FF2B5EF4-FFF2-40B4-BE49-F238E27FC236}">
+                <a16:creationId xmlns:a16="http://schemas.microsoft.com/office/drawing/2014/main" id="{E86C9887-9997-0341-ABC6-53573ABF561D}"/>
+              </a:ext>
+            </a:extLst>
+          </p:cNvPr>
+          <p:cNvSpPr>
+            <a:spLocks noGrp="1"/>
+          </p:cNvSpPr>
+          <p:nvPr>
+            <p:ph idx="1"/>
+          </p:nvPr>
+        </p:nvSpPr>
+        <p:spPr>
+          <a:xfrm>
+            <a:off x="838200" y="1865577"/>
+            <a:ext cx="10515600" cy="4756896"/>
+          </a:xfrm>
+        </p:spPr>
+        <p:txBody>
+          <a:bodyPr>
+            <a:normAutofit/>
+          </a:bodyPr>
+          <a:lstStyle/>
+          <a:p>
+            <a:endParaRPr lang="en-US" dirty="0"/>
+          </a:p>
+        </p:txBody>
+      </p:sp>
+    </p:spTree>
+    <p:extLst>
+      <p:ext uri="{BB962C8B-B14F-4D97-AF65-F5344CB8AC3E}">
+        <p14:creationId xmlns:p14="http://schemas.microsoft.com/office/powerpoint/2010/main" val="3703753204"/>
+      </p:ext>
+    </p:extLst>
+  </p:cSld>
+  <p:clrMapOvr>
+    <a:masterClrMapping/>
+  </p:clrMapOvr>
+</p:sld>
+</file>
+
+<file path=ppt/slides/slide8.xml><?xml version="1.0" encoding="utf-8"?>
+<p:sld xmlns:a="http://schemas.openxmlformats.org/drawingml/2006/main" xmlns:r="http://schemas.openxmlformats.org/officeDocument/2006/relationships" xmlns:p="http://schemas.openxmlformats.org/presentationml/2006/main">
+  <p:cSld>
+    <p:spTree>
+      <p:nvGrpSpPr>
+        <p:cNvPr id="1" name=""/>
+        <p:cNvGrpSpPr/>
+        <p:nvPr/>
+      </p:nvGrpSpPr>
+      <p:grpSpPr>
+        <a:xfrm>
+          <a:off x="0" y="0"/>
+          <a:ext cx="0" cy="0"/>
+          <a:chOff x="0" y="0"/>
+          <a:chExt cx="0" cy="0"/>
+        </a:xfrm>
+      </p:grpSpPr>
+      <p:sp>
+        <p:nvSpPr>
+          <p:cNvPr id="2" name="Title 1">
+            <a:extLst>
+              <a:ext uri="{FF2B5EF4-FFF2-40B4-BE49-F238E27FC236}">
+                <a16:creationId xmlns:a16="http://schemas.microsoft.com/office/drawing/2014/main" id="{DBFAE924-0D53-ED49-ACFE-BDD2AA4E9302}"/>
+              </a:ext>
+            </a:extLst>
+          </p:cNvPr>
+          <p:cNvSpPr>
+            <a:spLocks noGrp="1"/>
+          </p:cNvSpPr>
+          <p:nvPr>
+            <p:ph type="title"/>
+          </p:nvPr>
+        </p:nvSpPr>
+        <p:spPr/>
+        <p:txBody>
+          <a:bodyPr/>
+          <a:lstStyle/>
+          <a:p>
+            <a:r>
+              <a:rPr lang="en-US" dirty="0"/>
+              <a:t>Prometheus vs Nagios</a:t>
+            </a:r>
+          </a:p>
+        </p:txBody>
+      </p:sp>
+      <p:sp>
+        <p:nvSpPr>
+          <p:cNvPr id="3" name="Content Placeholder 2">
+            <a:extLst>
+              <a:ext uri="{FF2B5EF4-FFF2-40B4-BE49-F238E27FC236}">
+                <a16:creationId xmlns:a16="http://schemas.microsoft.com/office/drawing/2014/main" id="{E86C9887-9997-0341-ABC6-53573ABF561D}"/>
+              </a:ext>
+            </a:extLst>
+          </p:cNvPr>
+          <p:cNvSpPr>
+            <a:spLocks noGrp="1"/>
+          </p:cNvSpPr>
+          <p:nvPr>
+            <p:ph idx="1"/>
+          </p:nvPr>
+        </p:nvSpPr>
+        <p:spPr>
+          <a:xfrm>
+            <a:off x="838200" y="1865577"/>
+            <a:ext cx="10515600" cy="4756896"/>
+          </a:xfrm>
+        </p:spPr>
+        <p:txBody>
+          <a:bodyPr>
+            <a:normAutofit/>
+          </a:bodyPr>
+          <a:lstStyle/>
+          <a:p>
+            <a:endParaRPr lang="en-US" dirty="0"/>
+          </a:p>
+        </p:txBody>
+      </p:sp>
+    </p:spTree>
+    <p:extLst>
+      <p:ext uri="{BB962C8B-B14F-4D97-AF65-F5344CB8AC3E}">
+        <p14:creationId xmlns:p14="http://schemas.microsoft.com/office/powerpoint/2010/main" val="3341879966"/>
+      </p:ext>
+    </p:extLst>
+  </p:cSld>
+  <p:clrMapOvr>
+    <a:masterClrMapping/>
+  </p:clrMapOvr>
+</p:sld>
+</file>
+
+<file path=ppt/slides/slide9.xml><?xml version="1.0" encoding="utf-8"?>
+<p:sld xmlns:a="http://schemas.openxmlformats.org/drawingml/2006/main" xmlns:r="http://schemas.openxmlformats.org/officeDocument/2006/relationships" xmlns:p="http://schemas.openxmlformats.org/presentationml/2006/main">
+  <p:cSld>
+    <p:spTree>
+      <p:nvGrpSpPr>
+        <p:cNvPr id="1" name=""/>
+        <p:cNvGrpSpPr/>
+        <p:nvPr/>
+      </p:nvGrpSpPr>
+      <p:grpSpPr>
+        <a:xfrm>
+          <a:off x="0" y="0"/>
+          <a:ext cx="0" cy="0"/>
+          <a:chOff x="0" y="0"/>
+          <a:chExt cx="0" cy="0"/>
+        </a:xfrm>
+      </p:grpSpPr>
       <p:pic>
         <p:nvPicPr>
-          <p:cNvPr id="8" name="Picture 7">
-            <a:extLst>
-              <a:ext uri="{FF2B5EF4-FFF2-40B4-BE49-F238E27FC236}">
-                <a16:creationId xmlns:a16="http://schemas.microsoft.com/office/drawing/2014/main" id="{13EEA58B-1141-4743-904F-F3F1FE6F817F}"/>
+          <p:cNvPr id="4" name="Picture 3">
+            <a:extLst>
+              <a:ext uri="{FF2B5EF4-FFF2-40B4-BE49-F238E27FC236}">
+                <a16:creationId xmlns:a16="http://schemas.microsoft.com/office/drawing/2014/main" id="{FA313D73-0E17-ED47-BCE5-2DE8F2A28B5B}"/>
               </a:ext>
             </a:extLst>
           </p:cNvPr>
@@ -2218,8 +3307,8 @@
         </p:blipFill>
         <p:spPr>
           <a:xfrm>
-            <a:off x="10161126" y="3435178"/>
-            <a:ext cx="2030874" cy="3422822"/>
+            <a:off x="573206" y="157715"/>
+            <a:ext cx="10951051" cy="6570631"/>
           </a:xfrm>
           <a:prstGeom prst="rect">
             <a:avLst/>
@@ -2228,10 +3317,10 @@
       </p:pic>
       <p:pic>
         <p:nvPicPr>
-          <p:cNvPr id="10" name="Picture 9">
-            <a:extLst>
-              <a:ext uri="{FF2B5EF4-FFF2-40B4-BE49-F238E27FC236}">
-                <a16:creationId xmlns:a16="http://schemas.microsoft.com/office/drawing/2014/main" id="{586F765A-EDCE-5242-B9F8-BA7E7A2767C3}"/>
+          <p:cNvPr id="8" name="Picture 7">
+            <a:extLst>
+              <a:ext uri="{FF2B5EF4-FFF2-40B4-BE49-F238E27FC236}">
+                <a16:creationId xmlns:a16="http://schemas.microsoft.com/office/drawing/2014/main" id="{17C9FB58-18DC-5B4B-92F2-157F99664464}"/>
               </a:ext>
             </a:extLst>
           </p:cNvPr>
@@ -2248,68 +3337,8 @@
         </p:blipFill>
         <p:spPr>
           <a:xfrm>
-            <a:off x="5898261" y="2145951"/>
-            <a:ext cx="3766027" cy="1907532"/>
-          </a:xfrm>
-          <a:prstGeom prst="rect">
-            <a:avLst/>
-          </a:prstGeom>
-        </p:spPr>
-      </p:pic>
-      <p:pic>
-        <p:nvPicPr>
-          <p:cNvPr id="12" name="Picture 11">
-            <a:extLst>
-              <a:ext uri="{FF2B5EF4-FFF2-40B4-BE49-F238E27FC236}">
-                <a16:creationId xmlns:a16="http://schemas.microsoft.com/office/drawing/2014/main" id="{E13E516A-EDCE-1340-B61D-59556F766953}"/>
-              </a:ext>
-            </a:extLst>
-          </p:cNvPr>
-          <p:cNvPicPr>
-            <a:picLocks noChangeAspect="1"/>
-          </p:cNvPicPr>
-          <p:nvPr/>
-        </p:nvPicPr>
-        <p:blipFill>
-          <a:blip r:embed="rId4"/>
-          <a:stretch>
-            <a:fillRect/>
-          </a:stretch>
-        </p:blipFill>
-        <p:spPr>
-          <a:xfrm>
-            <a:off x="1826627" y="1512217"/>
-            <a:ext cx="3175000" cy="3175000"/>
-          </a:xfrm>
-          <a:prstGeom prst="rect">
-            <a:avLst/>
-          </a:prstGeom>
-        </p:spPr>
-      </p:pic>
-      <p:pic>
-        <p:nvPicPr>
-          <p:cNvPr id="14" name="Picture 13">
-            <a:extLst>
-              <a:ext uri="{FF2B5EF4-FFF2-40B4-BE49-F238E27FC236}">
-                <a16:creationId xmlns:a16="http://schemas.microsoft.com/office/drawing/2014/main" id="{D70CAFEA-589F-1E42-B033-CDB9E8F8375D}"/>
-              </a:ext>
-            </a:extLst>
-          </p:cNvPr>
-          <p:cNvPicPr>
-            <a:picLocks noChangeAspect="1"/>
-          </p:cNvPicPr>
-          <p:nvPr/>
-        </p:nvPicPr>
-        <p:blipFill>
-          <a:blip r:embed="rId5"/>
-          <a:stretch>
-            <a:fillRect/>
-          </a:stretch>
-        </p:blipFill>
-        <p:spPr>
-          <a:xfrm>
-            <a:off x="4855259" y="2578216"/>
-            <a:ext cx="1043002" cy="1043002"/>
+            <a:off x="9913586" y="542501"/>
+            <a:ext cx="1180904" cy="303661"/>
           </a:xfrm>
           <a:prstGeom prst="rect">
             <a:avLst/>
@@ -2319,7 +3348,7 @@
     </p:spTree>
     <p:extLst>
       <p:ext uri="{BB962C8B-B14F-4D97-AF65-F5344CB8AC3E}">
-        <p14:creationId xmlns:p14="http://schemas.microsoft.com/office/powerpoint/2010/main" val="2720038486"/>
+        <p14:creationId xmlns:p14="http://schemas.microsoft.com/office/powerpoint/2010/main" val="921353110"/>
       </p:ext>
     </p:extLst>
   </p:cSld>
